--- a/resources-and-books/Chapter02-Javascript.pptx
+++ b/resources-and-books/Chapter02-Javascript.pptx
@@ -22,6 +22,19 @@
     <p:sldId id="270" r:id="rId16"/>
     <p:sldId id="271" r:id="rId17"/>
     <p:sldId id="272" r:id="rId18"/>
+    <p:sldId id="286" r:id="rId19"/>
+    <p:sldId id="274" r:id="rId20"/>
+    <p:sldId id="275" r:id="rId21"/>
+    <p:sldId id="276" r:id="rId22"/>
+    <p:sldId id="277" r:id="rId23"/>
+    <p:sldId id="278" r:id="rId24"/>
+    <p:sldId id="279" r:id="rId25"/>
+    <p:sldId id="280" r:id="rId26"/>
+    <p:sldId id="281" r:id="rId27"/>
+    <p:sldId id="282" r:id="rId28"/>
+    <p:sldId id="283" r:id="rId29"/>
+    <p:sldId id="284" r:id="rId30"/>
+    <p:sldId id="285" r:id="rId31"/>
   </p:sldIdLst>
   <p:sldSz cx="12192000" cy="6858000"/>
   <p:notesSz cx="6858000" cy="9144000"/>
@@ -374,7 +387,7 @@
             <a:fld id="{B61BEF0D-F0BB-DE4B-95CE-6DB70DBA9567}" type="datetimeFigureOut">
               <a:rPr lang="en-US" dirty="0"/>
               <a:pPr/>
-              <a:t>7/14/2025</a:t>
+              <a:t>7/16/2025</a:t>
             </a:fld>
             <a:endParaRPr lang="en-US" dirty="0"/>
           </a:p>
@@ -633,7 +646,7 @@
             <a:fld id="{B61BEF0D-F0BB-DE4B-95CE-6DB70DBA9567}" type="datetimeFigureOut">
               <a:rPr lang="en-US" dirty="0"/>
               <a:pPr/>
-              <a:t>7/14/2025</a:t>
+              <a:t>7/16/2025</a:t>
             </a:fld>
             <a:endParaRPr lang="en-US" dirty="0"/>
           </a:p>
@@ -865,7 +878,7 @@
             <a:fld id="{B61BEF0D-F0BB-DE4B-95CE-6DB70DBA9567}" type="datetimeFigureOut">
               <a:rPr lang="en-US" dirty="0"/>
               <a:pPr/>
-              <a:t>7/14/2025</a:t>
+              <a:t>7/16/2025</a:t>
             </a:fld>
             <a:endParaRPr lang="en-US" dirty="0"/>
           </a:p>
@@ -1102,7 +1115,7 @@
             <a:fld id="{B61BEF0D-F0BB-DE4B-95CE-6DB70DBA9567}" type="datetimeFigureOut">
               <a:rPr lang="en-US" dirty="0"/>
               <a:pPr/>
-              <a:t>7/14/2025</a:t>
+              <a:t>7/16/2025</a:t>
             </a:fld>
             <a:endParaRPr lang="en-US" dirty="0"/>
           </a:p>
@@ -1406,7 +1419,7 @@
             <a:fld id="{B61BEF0D-F0BB-DE4B-95CE-6DB70DBA9567}" type="datetimeFigureOut">
               <a:rPr lang="en-US" dirty="0"/>
               <a:pPr/>
-              <a:t>7/14/2025</a:t>
+              <a:t>7/16/2025</a:t>
             </a:fld>
             <a:endParaRPr lang="en-US" dirty="0"/>
           </a:p>
@@ -1705,7 +1718,7 @@
             <a:fld id="{B61BEF0D-F0BB-DE4B-95CE-6DB70DBA9567}" type="datetimeFigureOut">
               <a:rPr lang="en-US" dirty="0"/>
               <a:pPr/>
-              <a:t>7/14/2025</a:t>
+              <a:t>7/16/2025</a:t>
             </a:fld>
             <a:endParaRPr lang="en-US" dirty="0"/>
           </a:p>
@@ -2124,7 +2137,7 @@
             <a:fld id="{B61BEF0D-F0BB-DE4B-95CE-6DB70DBA9567}" type="datetimeFigureOut">
               <a:rPr lang="en-US" dirty="0"/>
               <a:pPr/>
-              <a:t>7/14/2025</a:t>
+              <a:t>7/16/2025</a:t>
             </a:fld>
             <a:endParaRPr lang="en-US" dirty="0"/>
           </a:p>
@@ -2283,7 +2296,7 @@
             <a:fld id="{B61BEF0D-F0BB-DE4B-95CE-6DB70DBA9567}" type="datetimeFigureOut">
               <a:rPr lang="en-US" dirty="0"/>
               <a:pPr/>
-              <a:t>7/14/2025</a:t>
+              <a:t>7/16/2025</a:t>
             </a:fld>
             <a:endParaRPr lang="en-US" dirty="0"/>
           </a:p>
@@ -2375,7 +2388,7 @@
             <a:fld id="{B61BEF0D-F0BB-DE4B-95CE-6DB70DBA9567}" type="datetimeFigureOut">
               <a:rPr lang="en-US" dirty="0"/>
               <a:pPr/>
-              <a:t>7/14/2025</a:t>
+              <a:t>7/16/2025</a:t>
             </a:fld>
             <a:endParaRPr lang="en-US" dirty="0"/>
           </a:p>
@@ -2750,7 +2763,7 @@
             <a:fld id="{B61BEF0D-F0BB-DE4B-95CE-6DB70DBA9567}" type="datetimeFigureOut">
               <a:rPr lang="en-US" dirty="0"/>
               <a:pPr/>
-              <a:t>7/14/2025</a:t>
+              <a:t>7/16/2025</a:t>
             </a:fld>
             <a:endParaRPr lang="en-US" dirty="0"/>
           </a:p>
@@ -3036,7 +3049,7 @@
             <a:fld id="{B61BEF0D-F0BB-DE4B-95CE-6DB70DBA9567}" type="datetimeFigureOut">
               <a:rPr lang="en-US" dirty="0"/>
               <a:pPr/>
-              <a:t>7/14/2025</a:t>
+              <a:t>7/16/2025</a:t>
             </a:fld>
             <a:endParaRPr lang="en-US" dirty="0"/>
           </a:p>
@@ -3244,7 +3257,7 @@
             <a:fld id="{B61BEF0D-F0BB-DE4B-95CE-6DB70DBA9567}" type="datetimeFigureOut">
               <a:rPr lang="en-US" dirty="0"/>
               <a:pPr/>
-              <a:t>7/14/2025</a:t>
+              <a:t>7/16/2025</a:t>
             </a:fld>
             <a:endParaRPr lang="en-US" dirty="0"/>
           </a:p>
@@ -5403,6 +5416,275 @@
 </p:sld>
 </file>
 
+<file path=ppt/slides/slide18.xml><?xml version="1.0" encoding="utf-8"?>
+<p:sld xmlns:a="http://schemas.openxmlformats.org/drawingml/2006/main" xmlns:r="http://schemas.openxmlformats.org/officeDocument/2006/relationships" xmlns:p="http://schemas.openxmlformats.org/presentationml/2006/main">
+  <p:cSld>
+    <p:spTree>
+      <p:nvGrpSpPr>
+        <p:cNvPr id="1" name="">
+          <a:extLst>
+            <a:ext uri="{FF2B5EF4-FFF2-40B4-BE49-F238E27FC236}">
+              <a16:creationId xmlns:a16="http://schemas.microsoft.com/office/drawing/2014/main" id="{BF211DB6-20AA-F456-687E-4BD3FC2C91A7}"/>
+            </a:ext>
+          </a:extLst>
+        </p:cNvPr>
+        <p:cNvGrpSpPr/>
+        <p:nvPr/>
+      </p:nvGrpSpPr>
+      <p:grpSpPr>
+        <a:xfrm>
+          <a:off x="0" y="0"/>
+          <a:ext cx="0" cy="0"/>
+          <a:chOff x="0" y="0"/>
+          <a:chExt cx="0" cy="0"/>
+        </a:xfrm>
+      </p:grpSpPr>
+      <p:sp>
+        <p:nvSpPr>
+          <p:cNvPr id="2" name="Title 1">
+            <a:extLst>
+              <a:ext uri="{FF2B5EF4-FFF2-40B4-BE49-F238E27FC236}">
+                <a16:creationId xmlns:a16="http://schemas.microsoft.com/office/drawing/2014/main" id="{8FC6250F-420E-6C4C-5CBB-E1C9ACF95D74}"/>
+              </a:ext>
+            </a:extLst>
+          </p:cNvPr>
+          <p:cNvSpPr>
+            <a:spLocks noGrp="1"/>
+          </p:cNvSpPr>
+          <p:nvPr>
+            <p:ph type="ctrTitle"/>
+          </p:nvPr>
+        </p:nvSpPr>
+        <p:spPr/>
+        <p:txBody>
+          <a:bodyPr/>
+          <a:lstStyle/>
+          <a:p>
+            <a:r>
+              <a:rPr lang="en-US" b="1" dirty="0">
+                <a:latin typeface="Times New Roman" panose="02020603050405020304" pitchFamily="18" charset="0"/>
+                <a:cs typeface="Times New Roman" panose="02020603050405020304" pitchFamily="18" charset="0"/>
+              </a:rPr>
+              <a:t>JavaScript : loops &amp; functions</a:t>
+            </a:r>
+          </a:p>
+        </p:txBody>
+      </p:sp>
+      <p:sp>
+        <p:nvSpPr>
+          <p:cNvPr id="3" name="Subtitle 2">
+            <a:extLst>
+              <a:ext uri="{FF2B5EF4-FFF2-40B4-BE49-F238E27FC236}">
+                <a16:creationId xmlns:a16="http://schemas.microsoft.com/office/drawing/2014/main" id="{67C14F6B-675E-7F2A-D372-B0DDEFCC6EC0}"/>
+              </a:ext>
+            </a:extLst>
+          </p:cNvPr>
+          <p:cNvSpPr>
+            <a:spLocks noGrp="1"/>
+          </p:cNvSpPr>
+          <p:nvPr>
+            <p:ph type="subTitle" idx="1"/>
+          </p:nvPr>
+        </p:nvSpPr>
+        <p:spPr/>
+        <p:txBody>
+          <a:bodyPr/>
+          <a:lstStyle/>
+          <a:p>
+            <a:r>
+              <a:rPr lang="en-US" dirty="0"/>
+              <a:t>Chapter 03</a:t>
+            </a:r>
+          </a:p>
+        </p:txBody>
+      </p:sp>
+    </p:spTree>
+    <p:extLst>
+      <p:ext uri="{BB962C8B-B14F-4D97-AF65-F5344CB8AC3E}">
+        <p14:creationId xmlns:p14="http://schemas.microsoft.com/office/powerpoint/2010/main" val="717902600"/>
+      </p:ext>
+    </p:extLst>
+  </p:cSld>
+  <p:clrMapOvr>
+    <a:masterClrMapping/>
+  </p:clrMapOvr>
+</p:sld>
+</file>
+
+<file path=ppt/slides/slide19.xml><?xml version="1.0" encoding="utf-8"?>
+<p:sld xmlns:a="http://schemas.openxmlformats.org/drawingml/2006/main" xmlns:r="http://schemas.openxmlformats.org/officeDocument/2006/relationships" xmlns:p="http://schemas.openxmlformats.org/presentationml/2006/main">
+  <p:cSld>
+    <p:spTree>
+      <p:nvGrpSpPr>
+        <p:cNvPr id="1" name=""/>
+        <p:cNvGrpSpPr/>
+        <p:nvPr/>
+      </p:nvGrpSpPr>
+      <p:grpSpPr>
+        <a:xfrm>
+          <a:off x="0" y="0"/>
+          <a:ext cx="0" cy="0"/>
+          <a:chOff x="0" y="0"/>
+          <a:chExt cx="0" cy="0"/>
+        </a:xfrm>
+      </p:grpSpPr>
+      <p:sp>
+        <p:nvSpPr>
+          <p:cNvPr id="2" name="Title 1">
+            <a:extLst>
+              <a:ext uri="{FF2B5EF4-FFF2-40B4-BE49-F238E27FC236}">
+                <a16:creationId xmlns:a16="http://schemas.microsoft.com/office/drawing/2014/main" id="{AFF004EB-EDBC-13D3-6E75-C653FB898E62}"/>
+              </a:ext>
+            </a:extLst>
+          </p:cNvPr>
+          <p:cNvSpPr>
+            <a:spLocks noGrp="1"/>
+          </p:cNvSpPr>
+          <p:nvPr>
+            <p:ph type="title"/>
+          </p:nvPr>
+        </p:nvSpPr>
+        <p:spPr/>
+        <p:txBody>
+          <a:bodyPr/>
+          <a:lstStyle/>
+          <a:p>
+            <a:r>
+              <a:rPr lang="en-US" b="1" dirty="0">
+                <a:latin typeface="Times New Roman" panose="02020603050405020304" pitchFamily="18" charset="0"/>
+                <a:cs typeface="Times New Roman" panose="02020603050405020304" pitchFamily="18" charset="0"/>
+              </a:rPr>
+              <a:t>Loops in JavaScript</a:t>
+            </a:r>
+          </a:p>
+        </p:txBody>
+      </p:sp>
+      <p:sp>
+        <p:nvSpPr>
+          <p:cNvPr id="3" name="Content Placeholder 2">
+            <a:extLst>
+              <a:ext uri="{FF2B5EF4-FFF2-40B4-BE49-F238E27FC236}">
+                <a16:creationId xmlns:a16="http://schemas.microsoft.com/office/drawing/2014/main" id="{0B391CB6-881A-7ED7-C78F-AE0C9C1B04A1}"/>
+              </a:ext>
+            </a:extLst>
+          </p:cNvPr>
+          <p:cNvSpPr>
+            <a:spLocks noGrp="1"/>
+          </p:cNvSpPr>
+          <p:nvPr>
+            <p:ph idx="1"/>
+          </p:nvPr>
+        </p:nvSpPr>
+        <p:spPr>
+          <a:xfrm>
+            <a:off x="581192" y="2180496"/>
+            <a:ext cx="11029615" cy="4389115"/>
+          </a:xfrm>
+        </p:spPr>
+        <p:txBody>
+          <a:bodyPr>
+            <a:normAutofit fontScale="92500" lnSpcReduction="10000"/>
+          </a:bodyPr>
+          <a:lstStyle/>
+          <a:p>
+            <a:pPr marL="0" indent="0">
+              <a:buNone/>
+            </a:pPr>
+            <a:r>
+              <a:rPr lang="en-US" sz="2800" dirty="0">
+                <a:latin typeface="Times New Roman" panose="02020603050405020304" pitchFamily="18" charset="0"/>
+                <a:cs typeface="Times New Roman" panose="02020603050405020304" pitchFamily="18" charset="0"/>
+              </a:rPr>
+              <a:t>Loops in JavaScript are programming constructs that enable the repeated execution of a block of code until a specified condition is met. They are essential for automating repetitive tasks and processing collections of data.</a:t>
+            </a:r>
+          </a:p>
+          <a:p>
+            <a:pPr marL="0" indent="0">
+              <a:buNone/>
+            </a:pPr>
+            <a:r>
+              <a:rPr lang="en-US" sz="2800" dirty="0">
+                <a:latin typeface="Times New Roman" panose="02020603050405020304" pitchFamily="18" charset="0"/>
+                <a:cs typeface="Times New Roman" panose="02020603050405020304" pitchFamily="18" charset="0"/>
+              </a:rPr>
+              <a:t>	The different types of loops are:</a:t>
+            </a:r>
+          </a:p>
+          <a:p>
+            <a:pPr marL="0" indent="0">
+              <a:buNone/>
+            </a:pPr>
+            <a:r>
+              <a:rPr lang="en-US" sz="2800" dirty="0">
+                <a:latin typeface="Times New Roman" panose="02020603050405020304" pitchFamily="18" charset="0"/>
+                <a:cs typeface="Times New Roman" panose="02020603050405020304" pitchFamily="18" charset="0"/>
+              </a:rPr>
+              <a:t>1. for loop</a:t>
+            </a:r>
+          </a:p>
+          <a:p>
+            <a:pPr marL="0" indent="0">
+              <a:buNone/>
+            </a:pPr>
+            <a:r>
+              <a:rPr lang="en-US" sz="2800" dirty="0">
+                <a:latin typeface="Times New Roman" panose="02020603050405020304" pitchFamily="18" charset="0"/>
+                <a:cs typeface="Times New Roman" panose="02020603050405020304" pitchFamily="18" charset="0"/>
+              </a:rPr>
+              <a:t>2. for in loop</a:t>
+            </a:r>
+          </a:p>
+          <a:p>
+            <a:pPr marL="0" indent="0">
+              <a:buNone/>
+            </a:pPr>
+            <a:r>
+              <a:rPr lang="en-US" sz="2800" dirty="0">
+                <a:latin typeface="Times New Roman" panose="02020603050405020304" pitchFamily="18" charset="0"/>
+                <a:cs typeface="Times New Roman" panose="02020603050405020304" pitchFamily="18" charset="0"/>
+              </a:rPr>
+              <a:t>3. for of loop</a:t>
+            </a:r>
+          </a:p>
+          <a:p>
+            <a:pPr marL="0" indent="0">
+              <a:buNone/>
+            </a:pPr>
+            <a:r>
+              <a:rPr lang="en-US" sz="2800" dirty="0">
+                <a:latin typeface="Times New Roman" panose="02020603050405020304" pitchFamily="18" charset="0"/>
+                <a:cs typeface="Times New Roman" panose="02020603050405020304" pitchFamily="18" charset="0"/>
+              </a:rPr>
+              <a:t>4. while loop</a:t>
+            </a:r>
+          </a:p>
+          <a:p>
+            <a:pPr marL="0" indent="0">
+              <a:buNone/>
+            </a:pPr>
+            <a:r>
+              <a:rPr lang="en-US" sz="2800" dirty="0">
+                <a:latin typeface="Times New Roman" panose="02020603050405020304" pitchFamily="18" charset="0"/>
+                <a:cs typeface="Times New Roman" panose="02020603050405020304" pitchFamily="18" charset="0"/>
+              </a:rPr>
+              <a:t>5. do while loop</a:t>
+            </a:r>
+          </a:p>
+        </p:txBody>
+      </p:sp>
+    </p:spTree>
+    <p:extLst>
+      <p:ext uri="{BB962C8B-B14F-4D97-AF65-F5344CB8AC3E}">
+        <p14:creationId xmlns:p14="http://schemas.microsoft.com/office/powerpoint/2010/main" val="165303125"/>
+      </p:ext>
+    </p:extLst>
+  </p:cSld>
+  <p:clrMapOvr>
+    <a:masterClrMapping/>
+  </p:clrMapOvr>
+</p:sld>
+</file>
+
 <file path=ppt/slides/slide2.xml><?xml version="1.0" encoding="utf-8"?>
 <p:sld xmlns:a="http://schemas.openxmlformats.org/drawingml/2006/main" xmlns:r="http://schemas.openxmlformats.org/officeDocument/2006/relationships" xmlns:p="http://schemas.openxmlformats.org/presentationml/2006/main">
   <p:cSld>
@@ -5491,6 +5773,1287 @@
     <p:extLst>
       <p:ext uri="{BB962C8B-B14F-4D97-AF65-F5344CB8AC3E}">
         <p14:creationId xmlns:p14="http://schemas.microsoft.com/office/powerpoint/2010/main" val="1888504444"/>
+      </p:ext>
+    </p:extLst>
+  </p:cSld>
+  <p:clrMapOvr>
+    <a:masterClrMapping/>
+  </p:clrMapOvr>
+</p:sld>
+</file>
+
+<file path=ppt/slides/slide20.xml><?xml version="1.0" encoding="utf-8"?>
+<p:sld xmlns:a="http://schemas.openxmlformats.org/drawingml/2006/main" xmlns:r="http://schemas.openxmlformats.org/officeDocument/2006/relationships" xmlns:p="http://schemas.openxmlformats.org/presentationml/2006/main">
+  <p:cSld>
+    <p:spTree>
+      <p:nvGrpSpPr>
+        <p:cNvPr id="1" name=""/>
+        <p:cNvGrpSpPr/>
+        <p:nvPr/>
+      </p:nvGrpSpPr>
+      <p:grpSpPr>
+        <a:xfrm>
+          <a:off x="0" y="0"/>
+          <a:ext cx="0" cy="0"/>
+          <a:chOff x="0" y="0"/>
+          <a:chExt cx="0" cy="0"/>
+        </a:xfrm>
+      </p:grpSpPr>
+      <p:sp>
+        <p:nvSpPr>
+          <p:cNvPr id="2" name="Title 1">
+            <a:extLst>
+              <a:ext uri="{FF2B5EF4-FFF2-40B4-BE49-F238E27FC236}">
+                <a16:creationId xmlns:a16="http://schemas.microsoft.com/office/drawing/2014/main" id="{E36C4394-619F-7DB9-9A3E-F2B970712847}"/>
+              </a:ext>
+            </a:extLst>
+          </p:cNvPr>
+          <p:cNvSpPr>
+            <a:spLocks noGrp="1"/>
+          </p:cNvSpPr>
+          <p:nvPr>
+            <p:ph type="title"/>
+          </p:nvPr>
+        </p:nvSpPr>
+        <p:spPr/>
+        <p:txBody>
+          <a:bodyPr/>
+          <a:lstStyle/>
+          <a:p>
+            <a:r>
+              <a:rPr lang="en-US" dirty="0">
+                <a:latin typeface="Times New Roman" panose="02020603050405020304" pitchFamily="18" charset="0"/>
+                <a:cs typeface="Times New Roman" panose="02020603050405020304" pitchFamily="18" charset="0"/>
+              </a:rPr>
+              <a:t>for loop</a:t>
+            </a:r>
+          </a:p>
+        </p:txBody>
+      </p:sp>
+      <p:sp>
+        <p:nvSpPr>
+          <p:cNvPr id="3" name="Content Placeholder 2">
+            <a:extLst>
+              <a:ext uri="{FF2B5EF4-FFF2-40B4-BE49-F238E27FC236}">
+                <a16:creationId xmlns:a16="http://schemas.microsoft.com/office/drawing/2014/main" id="{A1DD2695-F65D-1C73-ED2E-C8B06A4CEAD8}"/>
+              </a:ext>
+            </a:extLst>
+          </p:cNvPr>
+          <p:cNvSpPr>
+            <a:spLocks noGrp="1"/>
+          </p:cNvSpPr>
+          <p:nvPr>
+            <p:ph idx="1"/>
+          </p:nvPr>
+        </p:nvSpPr>
+        <p:spPr/>
+        <p:txBody>
+          <a:bodyPr>
+            <a:normAutofit lnSpcReduction="10000"/>
+          </a:bodyPr>
+          <a:lstStyle/>
+          <a:p>
+            <a:pPr marL="0" indent="0">
+              <a:buNone/>
+            </a:pPr>
+            <a:r>
+              <a:rPr lang="en-US" sz="2400" dirty="0">
+                <a:latin typeface="Times New Roman" panose="02020603050405020304" pitchFamily="18" charset="0"/>
+                <a:cs typeface="Times New Roman" panose="02020603050405020304" pitchFamily="18" charset="0"/>
+              </a:rPr>
+              <a:t>for loop: This loop is used when the number of iterations is known beforehand. It consists of an initialization, a condition, and an increment/decrement statement.</a:t>
+            </a:r>
+          </a:p>
+          <a:p>
+            <a:pPr marL="0" indent="0">
+              <a:buNone/>
+            </a:pPr>
+            <a:endParaRPr lang="en-US" sz="2400" dirty="0">
+              <a:latin typeface="Times New Roman" panose="02020603050405020304" pitchFamily="18" charset="0"/>
+              <a:cs typeface="Times New Roman" panose="02020603050405020304" pitchFamily="18" charset="0"/>
+            </a:endParaRPr>
+          </a:p>
+          <a:p>
+            <a:pPr marL="0" indent="0">
+              <a:buNone/>
+            </a:pPr>
+            <a:r>
+              <a:rPr lang="en-US" sz="2400" dirty="0">
+                <a:latin typeface="Times New Roman" panose="02020603050405020304" pitchFamily="18" charset="0"/>
+                <a:cs typeface="Times New Roman" panose="02020603050405020304" pitchFamily="18" charset="0"/>
+              </a:rPr>
+              <a:t>Syntax: </a:t>
+            </a:r>
+          </a:p>
+          <a:p>
+            <a:pPr marL="0" indent="0">
+              <a:buNone/>
+            </a:pPr>
+            <a:endParaRPr lang="en-US" sz="2400" dirty="0">
+              <a:latin typeface="Times New Roman" panose="02020603050405020304" pitchFamily="18" charset="0"/>
+              <a:cs typeface="Times New Roman" panose="02020603050405020304" pitchFamily="18" charset="0"/>
+            </a:endParaRPr>
+          </a:p>
+          <a:p>
+            <a:pPr marL="0" indent="0">
+              <a:buNone/>
+            </a:pPr>
+            <a:r>
+              <a:rPr lang="en-US" sz="2000" i="1" dirty="0">
+                <a:latin typeface="Times New Roman" panose="02020603050405020304" pitchFamily="18" charset="0"/>
+                <a:cs typeface="Times New Roman" panose="02020603050405020304" pitchFamily="18" charset="0"/>
+              </a:rPr>
+              <a:t>for (initialization; condition; increment) {</a:t>
+            </a:r>
+          </a:p>
+          <a:p>
+            <a:pPr marL="0" indent="0">
+              <a:buNone/>
+            </a:pPr>
+            <a:r>
+              <a:rPr lang="en-US" sz="2000" i="1" dirty="0">
+                <a:latin typeface="Times New Roman" panose="02020603050405020304" pitchFamily="18" charset="0"/>
+                <a:cs typeface="Times New Roman" panose="02020603050405020304" pitchFamily="18" charset="0"/>
+              </a:rPr>
+              <a:t>  // code to be executed</a:t>
+            </a:r>
+          </a:p>
+          <a:p>
+            <a:pPr marL="0" indent="0">
+              <a:buNone/>
+            </a:pPr>
+            <a:r>
+              <a:rPr lang="en-US" sz="2000" i="1" dirty="0">
+                <a:latin typeface="Times New Roman" panose="02020603050405020304" pitchFamily="18" charset="0"/>
+                <a:cs typeface="Times New Roman" panose="02020603050405020304" pitchFamily="18" charset="0"/>
+              </a:rPr>
+              <a:t>}</a:t>
+            </a:r>
+          </a:p>
+        </p:txBody>
+      </p:sp>
+    </p:spTree>
+    <p:extLst>
+      <p:ext uri="{BB962C8B-B14F-4D97-AF65-F5344CB8AC3E}">
+        <p14:creationId xmlns:p14="http://schemas.microsoft.com/office/powerpoint/2010/main" val="1312966112"/>
+      </p:ext>
+    </p:extLst>
+  </p:cSld>
+  <p:clrMapOvr>
+    <a:masterClrMapping/>
+  </p:clrMapOvr>
+</p:sld>
+</file>
+
+<file path=ppt/slides/slide21.xml><?xml version="1.0" encoding="utf-8"?>
+<p:sld xmlns:a="http://schemas.openxmlformats.org/drawingml/2006/main" xmlns:r="http://schemas.openxmlformats.org/officeDocument/2006/relationships" xmlns:p="http://schemas.openxmlformats.org/presentationml/2006/main">
+  <p:cSld>
+    <p:spTree>
+      <p:nvGrpSpPr>
+        <p:cNvPr id="1" name=""/>
+        <p:cNvGrpSpPr/>
+        <p:nvPr/>
+      </p:nvGrpSpPr>
+      <p:grpSpPr>
+        <a:xfrm>
+          <a:off x="0" y="0"/>
+          <a:ext cx="0" cy="0"/>
+          <a:chOff x="0" y="0"/>
+          <a:chExt cx="0" cy="0"/>
+        </a:xfrm>
+      </p:grpSpPr>
+      <p:sp>
+        <p:nvSpPr>
+          <p:cNvPr id="2" name="Title 1">
+            <a:extLst>
+              <a:ext uri="{FF2B5EF4-FFF2-40B4-BE49-F238E27FC236}">
+                <a16:creationId xmlns:a16="http://schemas.microsoft.com/office/drawing/2014/main" id="{B7FBE787-3DAC-F084-D80D-600D8E5E5261}"/>
+              </a:ext>
+            </a:extLst>
+          </p:cNvPr>
+          <p:cNvSpPr>
+            <a:spLocks noGrp="1"/>
+          </p:cNvSpPr>
+          <p:nvPr>
+            <p:ph type="title"/>
+          </p:nvPr>
+        </p:nvSpPr>
+        <p:spPr/>
+        <p:txBody>
+          <a:bodyPr/>
+          <a:lstStyle/>
+          <a:p>
+            <a:r>
+              <a:rPr lang="en-US" b="1" dirty="0">
+                <a:latin typeface="Times New Roman" panose="02020603050405020304" pitchFamily="18" charset="0"/>
+                <a:cs typeface="Times New Roman" panose="02020603050405020304" pitchFamily="18" charset="0"/>
+              </a:rPr>
+              <a:t>for in loop </a:t>
+            </a:r>
+            <a:r>
+              <a:rPr lang="en-US" dirty="0">
+                <a:latin typeface="Times New Roman" panose="02020603050405020304" pitchFamily="18" charset="0"/>
+                <a:cs typeface="Times New Roman" panose="02020603050405020304" pitchFamily="18" charset="0"/>
+              </a:rPr>
+              <a:t>(Used for objects)</a:t>
+            </a:r>
+            <a:endParaRPr lang="en-US" b="1" dirty="0">
+              <a:latin typeface="Times New Roman" panose="02020603050405020304" pitchFamily="18" charset="0"/>
+              <a:cs typeface="Times New Roman" panose="02020603050405020304" pitchFamily="18" charset="0"/>
+            </a:endParaRPr>
+          </a:p>
+        </p:txBody>
+      </p:sp>
+      <p:sp>
+        <p:nvSpPr>
+          <p:cNvPr id="3" name="Content Placeholder 2">
+            <a:extLst>
+              <a:ext uri="{FF2B5EF4-FFF2-40B4-BE49-F238E27FC236}">
+                <a16:creationId xmlns:a16="http://schemas.microsoft.com/office/drawing/2014/main" id="{7F6F5B1C-6252-1BFD-A715-95EB77E34DCF}"/>
+              </a:ext>
+            </a:extLst>
+          </p:cNvPr>
+          <p:cNvSpPr>
+            <a:spLocks noGrp="1"/>
+          </p:cNvSpPr>
+          <p:nvPr>
+            <p:ph idx="1"/>
+          </p:nvPr>
+        </p:nvSpPr>
+        <p:spPr>
+          <a:xfrm>
+            <a:off x="581192" y="2180496"/>
+            <a:ext cx="11029615" cy="4290642"/>
+          </a:xfrm>
+        </p:spPr>
+        <p:txBody>
+          <a:bodyPr>
+            <a:normAutofit/>
+          </a:bodyPr>
+          <a:lstStyle/>
+          <a:p>
+            <a:pPr marL="0" indent="0">
+              <a:buNone/>
+            </a:pPr>
+            <a:r>
+              <a:rPr lang="en-US" sz="2400" dirty="0">
+                <a:latin typeface="Times New Roman" panose="02020603050405020304" pitchFamily="18" charset="0"/>
+                <a:cs typeface="Times New Roman" panose="02020603050405020304" pitchFamily="18" charset="0"/>
+              </a:rPr>
+              <a:t>This loop iterates over the enumerable properties of an object, including inherited properties. It is generally not recommended for iterating over arrays due to potential issues with order and inherited properties.</a:t>
+            </a:r>
+          </a:p>
+          <a:p>
+            <a:pPr marL="0" indent="0">
+              <a:buNone/>
+            </a:pPr>
+            <a:endParaRPr lang="en-US" sz="2400" dirty="0">
+              <a:latin typeface="Times New Roman" panose="02020603050405020304" pitchFamily="18" charset="0"/>
+              <a:cs typeface="Times New Roman" panose="02020603050405020304" pitchFamily="18" charset="0"/>
+            </a:endParaRPr>
+          </a:p>
+          <a:p>
+            <a:pPr marL="0" indent="0">
+              <a:buNone/>
+            </a:pPr>
+            <a:r>
+              <a:rPr lang="en-US" sz="2400" dirty="0">
+                <a:latin typeface="Times New Roman" panose="02020603050405020304" pitchFamily="18" charset="0"/>
+                <a:cs typeface="Times New Roman" panose="02020603050405020304" pitchFamily="18" charset="0"/>
+              </a:rPr>
+              <a:t>Syntax:</a:t>
+            </a:r>
+          </a:p>
+          <a:p>
+            <a:pPr marL="0" indent="0">
+              <a:buNone/>
+            </a:pPr>
+            <a:endParaRPr lang="en-US" sz="2400" dirty="0">
+              <a:latin typeface="Times New Roman" panose="02020603050405020304" pitchFamily="18" charset="0"/>
+              <a:cs typeface="Times New Roman" panose="02020603050405020304" pitchFamily="18" charset="0"/>
+            </a:endParaRPr>
+          </a:p>
+          <a:p>
+            <a:pPr marL="0" indent="0">
+              <a:buNone/>
+            </a:pPr>
+            <a:r>
+              <a:rPr lang="en-US" sz="2000" i="1" dirty="0">
+                <a:latin typeface="Times New Roman" panose="02020603050405020304" pitchFamily="18" charset="0"/>
+                <a:cs typeface="Times New Roman" panose="02020603050405020304" pitchFamily="18" charset="0"/>
+              </a:rPr>
+              <a:t>for (let key in object) {</a:t>
+            </a:r>
+          </a:p>
+          <a:p>
+            <a:pPr marL="0" indent="0">
+              <a:buNone/>
+            </a:pPr>
+            <a:r>
+              <a:rPr lang="en-US" sz="2000" i="1" dirty="0">
+                <a:latin typeface="Times New Roman" panose="02020603050405020304" pitchFamily="18" charset="0"/>
+                <a:cs typeface="Times New Roman" panose="02020603050405020304" pitchFamily="18" charset="0"/>
+              </a:rPr>
+              <a:t>  // code to be executed</a:t>
+            </a:r>
+          </a:p>
+          <a:p>
+            <a:pPr marL="0" indent="0">
+              <a:buNone/>
+            </a:pPr>
+            <a:r>
+              <a:rPr lang="en-US" sz="2000" i="1" dirty="0">
+                <a:latin typeface="Times New Roman" panose="02020603050405020304" pitchFamily="18" charset="0"/>
+                <a:cs typeface="Times New Roman" panose="02020603050405020304" pitchFamily="18" charset="0"/>
+              </a:rPr>
+              <a:t>} </a:t>
+            </a:r>
+          </a:p>
+        </p:txBody>
+      </p:sp>
+    </p:spTree>
+    <p:extLst>
+      <p:ext uri="{BB962C8B-B14F-4D97-AF65-F5344CB8AC3E}">
+        <p14:creationId xmlns:p14="http://schemas.microsoft.com/office/powerpoint/2010/main" val="1408741196"/>
+      </p:ext>
+    </p:extLst>
+  </p:cSld>
+  <p:clrMapOvr>
+    <a:masterClrMapping/>
+  </p:clrMapOvr>
+</p:sld>
+</file>
+
+<file path=ppt/slides/slide22.xml><?xml version="1.0" encoding="utf-8"?>
+<p:sld xmlns:a="http://schemas.openxmlformats.org/drawingml/2006/main" xmlns:r="http://schemas.openxmlformats.org/officeDocument/2006/relationships" xmlns:p="http://schemas.openxmlformats.org/presentationml/2006/main">
+  <p:cSld>
+    <p:spTree>
+      <p:nvGrpSpPr>
+        <p:cNvPr id="1" name=""/>
+        <p:cNvGrpSpPr/>
+        <p:nvPr/>
+      </p:nvGrpSpPr>
+      <p:grpSpPr>
+        <a:xfrm>
+          <a:off x="0" y="0"/>
+          <a:ext cx="0" cy="0"/>
+          <a:chOff x="0" y="0"/>
+          <a:chExt cx="0" cy="0"/>
+        </a:xfrm>
+      </p:grpSpPr>
+      <p:sp>
+        <p:nvSpPr>
+          <p:cNvPr id="2" name="Title 1">
+            <a:extLst>
+              <a:ext uri="{FF2B5EF4-FFF2-40B4-BE49-F238E27FC236}">
+                <a16:creationId xmlns:a16="http://schemas.microsoft.com/office/drawing/2014/main" id="{3D9C6921-4523-7215-804A-A20250858164}"/>
+              </a:ext>
+            </a:extLst>
+          </p:cNvPr>
+          <p:cNvSpPr>
+            <a:spLocks noGrp="1"/>
+          </p:cNvSpPr>
+          <p:nvPr>
+            <p:ph type="title"/>
+          </p:nvPr>
+        </p:nvSpPr>
+        <p:spPr/>
+        <p:txBody>
+          <a:bodyPr/>
+          <a:lstStyle/>
+          <a:p>
+            <a:r>
+              <a:rPr lang="en-US" b="1" dirty="0">
+                <a:latin typeface="Times New Roman" panose="02020603050405020304" pitchFamily="18" charset="0"/>
+                <a:cs typeface="Times New Roman" panose="02020603050405020304" pitchFamily="18" charset="0"/>
+              </a:rPr>
+              <a:t>for of loop </a:t>
+            </a:r>
+            <a:r>
+              <a:rPr lang="en-US" dirty="0">
+                <a:latin typeface="Times New Roman" panose="02020603050405020304" pitchFamily="18" charset="0"/>
+                <a:cs typeface="Times New Roman" panose="02020603050405020304" pitchFamily="18" charset="0"/>
+              </a:rPr>
+              <a:t>(Used for objects)</a:t>
+            </a:r>
+          </a:p>
+        </p:txBody>
+      </p:sp>
+      <p:sp>
+        <p:nvSpPr>
+          <p:cNvPr id="3" name="Content Placeholder 2">
+            <a:extLst>
+              <a:ext uri="{FF2B5EF4-FFF2-40B4-BE49-F238E27FC236}">
+                <a16:creationId xmlns:a16="http://schemas.microsoft.com/office/drawing/2014/main" id="{EFBFE1B8-D484-6651-40AB-3A65A257F68E}"/>
+              </a:ext>
+            </a:extLst>
+          </p:cNvPr>
+          <p:cNvSpPr>
+            <a:spLocks noGrp="1"/>
+          </p:cNvSpPr>
+          <p:nvPr>
+            <p:ph idx="1"/>
+          </p:nvPr>
+        </p:nvSpPr>
+        <p:spPr>
+          <a:xfrm>
+            <a:off x="581192" y="2180496"/>
+            <a:ext cx="11029615" cy="4318778"/>
+          </a:xfrm>
+        </p:spPr>
+        <p:txBody>
+          <a:bodyPr>
+            <a:normAutofit/>
+          </a:bodyPr>
+          <a:lstStyle/>
+          <a:p>
+            <a:pPr marL="0" indent="0">
+              <a:buNone/>
+            </a:pPr>
+            <a:r>
+              <a:rPr lang="en-US" sz="2400" dirty="0">
+                <a:latin typeface="Times New Roman" panose="02020603050405020304" pitchFamily="18" charset="0"/>
+                <a:cs typeface="Times New Roman" panose="02020603050405020304" pitchFamily="18" charset="0"/>
+              </a:rPr>
+              <a:t>This loop is used to iterate over </a:t>
+            </a:r>
+            <a:r>
+              <a:rPr lang="en-US" sz="2400" dirty="0" err="1">
+                <a:latin typeface="Times New Roman" panose="02020603050405020304" pitchFamily="18" charset="0"/>
+                <a:cs typeface="Times New Roman" panose="02020603050405020304" pitchFamily="18" charset="0"/>
+              </a:rPr>
+              <a:t>iterable</a:t>
+            </a:r>
+            <a:r>
+              <a:rPr lang="en-US" sz="2400" dirty="0">
+                <a:latin typeface="Times New Roman" panose="02020603050405020304" pitchFamily="18" charset="0"/>
+                <a:cs typeface="Times New Roman" panose="02020603050405020304" pitchFamily="18" charset="0"/>
+              </a:rPr>
+              <a:t> objects like arrays, strings, Maps, Sets, etc., directly accessing the values of each element.</a:t>
+            </a:r>
+          </a:p>
+          <a:p>
+            <a:pPr marL="0" indent="0">
+              <a:buNone/>
+            </a:pPr>
+            <a:endParaRPr lang="en-US" sz="2400" dirty="0">
+              <a:latin typeface="Times New Roman" panose="02020603050405020304" pitchFamily="18" charset="0"/>
+              <a:cs typeface="Times New Roman" panose="02020603050405020304" pitchFamily="18" charset="0"/>
+            </a:endParaRPr>
+          </a:p>
+          <a:p>
+            <a:pPr marL="0" indent="0">
+              <a:buNone/>
+            </a:pPr>
+            <a:r>
+              <a:rPr lang="en-US" sz="2400" dirty="0">
+                <a:latin typeface="Times New Roman" panose="02020603050405020304" pitchFamily="18" charset="0"/>
+                <a:cs typeface="Times New Roman" panose="02020603050405020304" pitchFamily="18" charset="0"/>
+              </a:rPr>
+              <a:t>Syntax:</a:t>
+            </a:r>
+          </a:p>
+          <a:p>
+            <a:pPr marL="0" indent="0">
+              <a:buNone/>
+            </a:pPr>
+            <a:endParaRPr lang="en-US" sz="2400" dirty="0">
+              <a:latin typeface="Times New Roman" panose="02020603050405020304" pitchFamily="18" charset="0"/>
+              <a:cs typeface="Times New Roman" panose="02020603050405020304" pitchFamily="18" charset="0"/>
+            </a:endParaRPr>
+          </a:p>
+          <a:p>
+            <a:pPr marL="0" indent="0">
+              <a:buNone/>
+            </a:pPr>
+            <a:r>
+              <a:rPr lang="en-US" sz="2000" i="1" dirty="0">
+                <a:latin typeface="Times New Roman" panose="02020603050405020304" pitchFamily="18" charset="0"/>
+                <a:cs typeface="Times New Roman" panose="02020603050405020304" pitchFamily="18" charset="0"/>
+              </a:rPr>
+              <a:t>for (let item of </a:t>
+            </a:r>
+            <a:r>
+              <a:rPr lang="en-US" sz="2000" i="1" dirty="0" err="1">
+                <a:latin typeface="Times New Roman" panose="02020603050405020304" pitchFamily="18" charset="0"/>
+                <a:cs typeface="Times New Roman" panose="02020603050405020304" pitchFamily="18" charset="0"/>
+              </a:rPr>
+              <a:t>iterable</a:t>
+            </a:r>
+            <a:r>
+              <a:rPr lang="en-US" sz="2000" i="1" dirty="0">
+                <a:latin typeface="Times New Roman" panose="02020603050405020304" pitchFamily="18" charset="0"/>
+                <a:cs typeface="Times New Roman" panose="02020603050405020304" pitchFamily="18" charset="0"/>
+              </a:rPr>
+              <a:t>) {</a:t>
+            </a:r>
+          </a:p>
+          <a:p>
+            <a:pPr marL="0" indent="0">
+              <a:buNone/>
+            </a:pPr>
+            <a:r>
+              <a:rPr lang="en-US" sz="2000" i="1" dirty="0">
+                <a:latin typeface="Times New Roman" panose="02020603050405020304" pitchFamily="18" charset="0"/>
+                <a:cs typeface="Times New Roman" panose="02020603050405020304" pitchFamily="18" charset="0"/>
+              </a:rPr>
+              <a:t>  // code to be executed</a:t>
+            </a:r>
+          </a:p>
+          <a:p>
+            <a:pPr marL="0" indent="0">
+              <a:buNone/>
+            </a:pPr>
+            <a:r>
+              <a:rPr lang="en-US" sz="2000" i="1" dirty="0">
+                <a:latin typeface="Times New Roman" panose="02020603050405020304" pitchFamily="18" charset="0"/>
+                <a:cs typeface="Times New Roman" panose="02020603050405020304" pitchFamily="18" charset="0"/>
+              </a:rPr>
+              <a:t>}</a:t>
+            </a:r>
+          </a:p>
+        </p:txBody>
+      </p:sp>
+    </p:spTree>
+    <p:extLst>
+      <p:ext uri="{BB962C8B-B14F-4D97-AF65-F5344CB8AC3E}">
+        <p14:creationId xmlns:p14="http://schemas.microsoft.com/office/powerpoint/2010/main" val="3127698386"/>
+      </p:ext>
+    </p:extLst>
+  </p:cSld>
+  <p:clrMapOvr>
+    <a:masterClrMapping/>
+  </p:clrMapOvr>
+</p:sld>
+</file>
+
+<file path=ppt/slides/slide23.xml><?xml version="1.0" encoding="utf-8"?>
+<p:sld xmlns:a="http://schemas.openxmlformats.org/drawingml/2006/main" xmlns:r="http://schemas.openxmlformats.org/officeDocument/2006/relationships" xmlns:p="http://schemas.openxmlformats.org/presentationml/2006/main">
+  <p:cSld>
+    <p:spTree>
+      <p:nvGrpSpPr>
+        <p:cNvPr id="1" name=""/>
+        <p:cNvGrpSpPr/>
+        <p:nvPr/>
+      </p:nvGrpSpPr>
+      <p:grpSpPr>
+        <a:xfrm>
+          <a:off x="0" y="0"/>
+          <a:ext cx="0" cy="0"/>
+          <a:chOff x="0" y="0"/>
+          <a:chExt cx="0" cy="0"/>
+        </a:xfrm>
+      </p:grpSpPr>
+      <p:sp>
+        <p:nvSpPr>
+          <p:cNvPr id="2" name="Title 1">
+            <a:extLst>
+              <a:ext uri="{FF2B5EF4-FFF2-40B4-BE49-F238E27FC236}">
+                <a16:creationId xmlns:a16="http://schemas.microsoft.com/office/drawing/2014/main" id="{89C05660-2269-95A7-64C7-8F9C4E35751A}"/>
+              </a:ext>
+            </a:extLst>
+          </p:cNvPr>
+          <p:cNvSpPr>
+            <a:spLocks noGrp="1"/>
+          </p:cNvSpPr>
+          <p:nvPr>
+            <p:ph type="title"/>
+          </p:nvPr>
+        </p:nvSpPr>
+        <p:spPr/>
+        <p:txBody>
+          <a:bodyPr/>
+          <a:lstStyle/>
+          <a:p>
+            <a:r>
+              <a:rPr lang="en-US" dirty="0">
+                <a:latin typeface="Times New Roman" panose="02020603050405020304" pitchFamily="18" charset="0"/>
+                <a:cs typeface="Times New Roman" panose="02020603050405020304" pitchFamily="18" charset="0"/>
+              </a:rPr>
+              <a:t>while loop</a:t>
+            </a:r>
+          </a:p>
+        </p:txBody>
+      </p:sp>
+      <p:sp>
+        <p:nvSpPr>
+          <p:cNvPr id="3" name="Content Placeholder 2">
+            <a:extLst>
+              <a:ext uri="{FF2B5EF4-FFF2-40B4-BE49-F238E27FC236}">
+                <a16:creationId xmlns:a16="http://schemas.microsoft.com/office/drawing/2014/main" id="{029EA197-B336-8B18-D82B-CA5BDBBF15EB}"/>
+              </a:ext>
+            </a:extLst>
+          </p:cNvPr>
+          <p:cNvSpPr>
+            <a:spLocks noGrp="1"/>
+          </p:cNvSpPr>
+          <p:nvPr>
+            <p:ph idx="1"/>
+          </p:nvPr>
+        </p:nvSpPr>
+        <p:spPr>
+          <a:xfrm>
+            <a:off x="581192" y="2180496"/>
+            <a:ext cx="11029615" cy="4557929"/>
+          </a:xfrm>
+        </p:spPr>
+        <p:txBody>
+          <a:bodyPr>
+            <a:normAutofit/>
+          </a:bodyPr>
+          <a:lstStyle/>
+          <a:p>
+            <a:pPr marL="0" indent="0">
+              <a:buNone/>
+            </a:pPr>
+            <a:r>
+              <a:rPr lang="en-US" sz="2400" dirty="0">
+                <a:latin typeface="Times New Roman" panose="02020603050405020304" pitchFamily="18" charset="0"/>
+                <a:cs typeface="Times New Roman" panose="02020603050405020304" pitchFamily="18" charset="0"/>
+              </a:rPr>
+              <a:t>This loop executes a block of code as long as a specified condition evaluates to true. The condition is checked before each iteration.</a:t>
+            </a:r>
+          </a:p>
+          <a:p>
+            <a:pPr marL="0" indent="0">
+              <a:buNone/>
+            </a:pPr>
+            <a:endParaRPr lang="en-US" sz="2400" dirty="0">
+              <a:latin typeface="Times New Roman" panose="02020603050405020304" pitchFamily="18" charset="0"/>
+              <a:cs typeface="Times New Roman" panose="02020603050405020304" pitchFamily="18" charset="0"/>
+            </a:endParaRPr>
+          </a:p>
+          <a:p>
+            <a:pPr marL="0" indent="0">
+              <a:buNone/>
+            </a:pPr>
+            <a:r>
+              <a:rPr lang="en-US" sz="2400" dirty="0">
+                <a:latin typeface="Times New Roman" panose="02020603050405020304" pitchFamily="18" charset="0"/>
+                <a:cs typeface="Times New Roman" panose="02020603050405020304" pitchFamily="18" charset="0"/>
+              </a:rPr>
+              <a:t>Syntax:</a:t>
+            </a:r>
+          </a:p>
+          <a:p>
+            <a:pPr marL="0" indent="0">
+              <a:buNone/>
+            </a:pPr>
+            <a:endParaRPr lang="en-US" sz="2400" dirty="0">
+              <a:latin typeface="Times New Roman" panose="02020603050405020304" pitchFamily="18" charset="0"/>
+              <a:cs typeface="Times New Roman" panose="02020603050405020304" pitchFamily="18" charset="0"/>
+            </a:endParaRPr>
+          </a:p>
+          <a:p>
+            <a:pPr marL="0" indent="0">
+              <a:buNone/>
+            </a:pPr>
+            <a:r>
+              <a:rPr lang="en-US" sz="2400" i="1" dirty="0">
+                <a:latin typeface="Times New Roman" panose="02020603050405020304" pitchFamily="18" charset="0"/>
+                <a:cs typeface="Times New Roman" panose="02020603050405020304" pitchFamily="18" charset="0"/>
+              </a:rPr>
+              <a:t>while (condition) {</a:t>
+            </a:r>
+          </a:p>
+          <a:p>
+            <a:pPr marL="0" indent="0">
+              <a:buNone/>
+            </a:pPr>
+            <a:r>
+              <a:rPr lang="en-US" sz="2400" i="1" dirty="0">
+                <a:latin typeface="Times New Roman" panose="02020603050405020304" pitchFamily="18" charset="0"/>
+                <a:cs typeface="Times New Roman" panose="02020603050405020304" pitchFamily="18" charset="0"/>
+              </a:rPr>
+              <a:t>  // code to be executed</a:t>
+            </a:r>
+          </a:p>
+          <a:p>
+            <a:pPr marL="0" indent="0">
+              <a:buNone/>
+            </a:pPr>
+            <a:r>
+              <a:rPr lang="en-US" sz="2400" i="1" dirty="0">
+                <a:latin typeface="Times New Roman" panose="02020603050405020304" pitchFamily="18" charset="0"/>
+                <a:cs typeface="Times New Roman" panose="02020603050405020304" pitchFamily="18" charset="0"/>
+              </a:rPr>
+              <a:t>}</a:t>
+            </a:r>
+          </a:p>
+        </p:txBody>
+      </p:sp>
+    </p:spTree>
+    <p:extLst>
+      <p:ext uri="{BB962C8B-B14F-4D97-AF65-F5344CB8AC3E}">
+        <p14:creationId xmlns:p14="http://schemas.microsoft.com/office/powerpoint/2010/main" val="2688009934"/>
+      </p:ext>
+    </p:extLst>
+  </p:cSld>
+  <p:clrMapOvr>
+    <a:masterClrMapping/>
+  </p:clrMapOvr>
+</p:sld>
+</file>
+
+<file path=ppt/slides/slide24.xml><?xml version="1.0" encoding="utf-8"?>
+<p:sld xmlns:a="http://schemas.openxmlformats.org/drawingml/2006/main" xmlns:r="http://schemas.openxmlformats.org/officeDocument/2006/relationships" xmlns:p="http://schemas.openxmlformats.org/presentationml/2006/main">
+  <p:cSld>
+    <p:spTree>
+      <p:nvGrpSpPr>
+        <p:cNvPr id="1" name=""/>
+        <p:cNvGrpSpPr/>
+        <p:nvPr/>
+      </p:nvGrpSpPr>
+      <p:grpSpPr>
+        <a:xfrm>
+          <a:off x="0" y="0"/>
+          <a:ext cx="0" cy="0"/>
+          <a:chOff x="0" y="0"/>
+          <a:chExt cx="0" cy="0"/>
+        </a:xfrm>
+      </p:grpSpPr>
+      <p:sp>
+        <p:nvSpPr>
+          <p:cNvPr id="2" name="Title 1">
+            <a:extLst>
+              <a:ext uri="{FF2B5EF4-FFF2-40B4-BE49-F238E27FC236}">
+                <a16:creationId xmlns:a16="http://schemas.microsoft.com/office/drawing/2014/main" id="{2A13D4A5-79F0-52F0-9AC8-41F9A37DB9D7}"/>
+              </a:ext>
+            </a:extLst>
+          </p:cNvPr>
+          <p:cNvSpPr>
+            <a:spLocks noGrp="1"/>
+          </p:cNvSpPr>
+          <p:nvPr>
+            <p:ph type="title"/>
+          </p:nvPr>
+        </p:nvSpPr>
+        <p:spPr/>
+        <p:txBody>
+          <a:bodyPr/>
+          <a:lstStyle/>
+          <a:p>
+            <a:r>
+              <a:rPr lang="en-US" b="1" dirty="0">
+                <a:latin typeface="Times New Roman" panose="02020603050405020304" pitchFamily="18" charset="0"/>
+                <a:cs typeface="Times New Roman" panose="02020603050405020304" pitchFamily="18" charset="0"/>
+              </a:rPr>
+              <a:t>do while loop</a:t>
+            </a:r>
+          </a:p>
+        </p:txBody>
+      </p:sp>
+      <p:sp>
+        <p:nvSpPr>
+          <p:cNvPr id="3" name="Content Placeholder 2">
+            <a:extLst>
+              <a:ext uri="{FF2B5EF4-FFF2-40B4-BE49-F238E27FC236}">
+                <a16:creationId xmlns:a16="http://schemas.microsoft.com/office/drawing/2014/main" id="{7F0AD74F-D7FA-9D97-C2F2-B065C3A85B0F}"/>
+              </a:ext>
+            </a:extLst>
+          </p:cNvPr>
+          <p:cNvSpPr>
+            <a:spLocks noGrp="1"/>
+          </p:cNvSpPr>
+          <p:nvPr>
+            <p:ph idx="1"/>
+          </p:nvPr>
+        </p:nvSpPr>
+        <p:spPr>
+          <a:xfrm>
+            <a:off x="581192" y="2180496"/>
+            <a:ext cx="11029615" cy="4431319"/>
+          </a:xfrm>
+        </p:spPr>
+        <p:txBody>
+          <a:bodyPr>
+            <a:normAutofit/>
+          </a:bodyPr>
+          <a:lstStyle/>
+          <a:p>
+            <a:pPr marL="0" indent="0">
+              <a:buNone/>
+            </a:pPr>
+            <a:r>
+              <a:rPr lang="en-US" sz="2800" dirty="0">
+                <a:latin typeface="Times New Roman" panose="02020603050405020304" pitchFamily="18" charset="0"/>
+                <a:cs typeface="Times New Roman" panose="02020603050405020304" pitchFamily="18" charset="0"/>
+              </a:rPr>
+              <a:t>Similar to the while loop, but the code block is executed at least once, and then the condition is checked after each iteration.</a:t>
+            </a:r>
+          </a:p>
+          <a:p>
+            <a:pPr marL="0" indent="0">
+              <a:buNone/>
+            </a:pPr>
+            <a:endParaRPr lang="en-US" sz="2800" dirty="0">
+              <a:latin typeface="Times New Roman" panose="02020603050405020304" pitchFamily="18" charset="0"/>
+              <a:cs typeface="Times New Roman" panose="02020603050405020304" pitchFamily="18" charset="0"/>
+            </a:endParaRPr>
+          </a:p>
+          <a:p>
+            <a:pPr marL="0" indent="0">
+              <a:buNone/>
+            </a:pPr>
+            <a:r>
+              <a:rPr lang="en-US" sz="2800" dirty="0">
+                <a:latin typeface="Times New Roman" panose="02020603050405020304" pitchFamily="18" charset="0"/>
+                <a:cs typeface="Times New Roman" panose="02020603050405020304" pitchFamily="18" charset="0"/>
+              </a:rPr>
+              <a:t>Syntax:</a:t>
+            </a:r>
+          </a:p>
+          <a:p>
+            <a:pPr marL="0" indent="0">
+              <a:buNone/>
+            </a:pPr>
+            <a:endParaRPr lang="en-US" sz="2800" dirty="0">
+              <a:latin typeface="Times New Roman" panose="02020603050405020304" pitchFamily="18" charset="0"/>
+              <a:cs typeface="Times New Roman" panose="02020603050405020304" pitchFamily="18" charset="0"/>
+            </a:endParaRPr>
+          </a:p>
+          <a:p>
+            <a:pPr marL="0" indent="0">
+              <a:buNone/>
+            </a:pPr>
+            <a:r>
+              <a:rPr lang="en-US" sz="2400" i="1" dirty="0">
+                <a:latin typeface="Times New Roman" panose="02020603050405020304" pitchFamily="18" charset="0"/>
+                <a:cs typeface="Times New Roman" panose="02020603050405020304" pitchFamily="18" charset="0"/>
+              </a:rPr>
+              <a:t>do {</a:t>
+            </a:r>
+          </a:p>
+          <a:p>
+            <a:pPr marL="0" indent="0">
+              <a:buNone/>
+            </a:pPr>
+            <a:r>
+              <a:rPr lang="en-US" sz="2400" i="1" dirty="0">
+                <a:latin typeface="Times New Roman" panose="02020603050405020304" pitchFamily="18" charset="0"/>
+                <a:cs typeface="Times New Roman" panose="02020603050405020304" pitchFamily="18" charset="0"/>
+              </a:rPr>
+              <a:t>  // code to be executed</a:t>
+            </a:r>
+          </a:p>
+          <a:p>
+            <a:pPr marL="0" indent="0">
+              <a:buNone/>
+            </a:pPr>
+            <a:r>
+              <a:rPr lang="en-US" sz="2400" i="1" dirty="0">
+                <a:latin typeface="Times New Roman" panose="02020603050405020304" pitchFamily="18" charset="0"/>
+                <a:cs typeface="Times New Roman" panose="02020603050405020304" pitchFamily="18" charset="0"/>
+              </a:rPr>
+              <a:t>} while (condition);</a:t>
+            </a:r>
+          </a:p>
+        </p:txBody>
+      </p:sp>
+    </p:spTree>
+    <p:extLst>
+      <p:ext uri="{BB962C8B-B14F-4D97-AF65-F5344CB8AC3E}">
+        <p14:creationId xmlns:p14="http://schemas.microsoft.com/office/powerpoint/2010/main" val="3077966306"/>
+      </p:ext>
+    </p:extLst>
+  </p:cSld>
+  <p:clrMapOvr>
+    <a:masterClrMapping/>
+  </p:clrMapOvr>
+</p:sld>
+</file>
+
+<file path=ppt/slides/slide25.xml><?xml version="1.0" encoding="utf-8"?>
+<p:sld xmlns:a="http://schemas.openxmlformats.org/drawingml/2006/main" xmlns:r="http://schemas.openxmlformats.org/officeDocument/2006/relationships" xmlns:p="http://schemas.openxmlformats.org/presentationml/2006/main">
+  <p:cSld>
+    <p:spTree>
+      <p:nvGrpSpPr>
+        <p:cNvPr id="1" name=""/>
+        <p:cNvGrpSpPr/>
+        <p:nvPr/>
+      </p:nvGrpSpPr>
+      <p:grpSpPr>
+        <a:xfrm>
+          <a:off x="0" y="0"/>
+          <a:ext cx="0" cy="0"/>
+          <a:chOff x="0" y="0"/>
+          <a:chExt cx="0" cy="0"/>
+        </a:xfrm>
+      </p:grpSpPr>
+      <p:sp>
+        <p:nvSpPr>
+          <p:cNvPr id="2" name="Title 1">
+            <a:extLst>
+              <a:ext uri="{FF2B5EF4-FFF2-40B4-BE49-F238E27FC236}">
+                <a16:creationId xmlns:a16="http://schemas.microsoft.com/office/drawing/2014/main" id="{1E6ADF2E-E48D-C29B-327D-CC669992D25E}"/>
+              </a:ext>
+            </a:extLst>
+          </p:cNvPr>
+          <p:cNvSpPr>
+            <a:spLocks noGrp="1"/>
+          </p:cNvSpPr>
+          <p:nvPr>
+            <p:ph type="title"/>
+          </p:nvPr>
+        </p:nvSpPr>
+        <p:spPr/>
+        <p:txBody>
+          <a:bodyPr/>
+          <a:lstStyle/>
+          <a:p>
+            <a:endParaRPr lang="en-US"/>
+          </a:p>
+        </p:txBody>
+      </p:sp>
+      <p:sp>
+        <p:nvSpPr>
+          <p:cNvPr id="3" name="Content Placeholder 2">
+            <a:extLst>
+              <a:ext uri="{FF2B5EF4-FFF2-40B4-BE49-F238E27FC236}">
+                <a16:creationId xmlns:a16="http://schemas.microsoft.com/office/drawing/2014/main" id="{09AE35A9-1A0A-12FF-197F-B82DF8307E9C}"/>
+              </a:ext>
+            </a:extLst>
+          </p:cNvPr>
+          <p:cNvSpPr>
+            <a:spLocks noGrp="1"/>
+          </p:cNvSpPr>
+          <p:nvPr>
+            <p:ph idx="1"/>
+          </p:nvPr>
+        </p:nvSpPr>
+        <p:spPr/>
+        <p:txBody>
+          <a:bodyPr/>
+          <a:lstStyle/>
+          <a:p>
+            <a:endParaRPr lang="en-US"/>
+          </a:p>
+        </p:txBody>
+      </p:sp>
+    </p:spTree>
+    <p:extLst>
+      <p:ext uri="{BB962C8B-B14F-4D97-AF65-F5344CB8AC3E}">
+        <p14:creationId xmlns:p14="http://schemas.microsoft.com/office/powerpoint/2010/main" val="1260585022"/>
+      </p:ext>
+    </p:extLst>
+  </p:cSld>
+  <p:clrMapOvr>
+    <a:masterClrMapping/>
+  </p:clrMapOvr>
+</p:sld>
+</file>
+
+<file path=ppt/slides/slide26.xml><?xml version="1.0" encoding="utf-8"?>
+<p:sld xmlns:a="http://schemas.openxmlformats.org/drawingml/2006/main" xmlns:r="http://schemas.openxmlformats.org/officeDocument/2006/relationships" xmlns:p="http://schemas.openxmlformats.org/presentationml/2006/main">
+  <p:cSld>
+    <p:spTree>
+      <p:nvGrpSpPr>
+        <p:cNvPr id="1" name=""/>
+        <p:cNvGrpSpPr/>
+        <p:nvPr/>
+      </p:nvGrpSpPr>
+      <p:grpSpPr>
+        <a:xfrm>
+          <a:off x="0" y="0"/>
+          <a:ext cx="0" cy="0"/>
+          <a:chOff x="0" y="0"/>
+          <a:chExt cx="0" cy="0"/>
+        </a:xfrm>
+      </p:grpSpPr>
+      <p:sp>
+        <p:nvSpPr>
+          <p:cNvPr id="2" name="Title 1">
+            <a:extLst>
+              <a:ext uri="{FF2B5EF4-FFF2-40B4-BE49-F238E27FC236}">
+                <a16:creationId xmlns:a16="http://schemas.microsoft.com/office/drawing/2014/main" id="{02AEFE28-F4E4-8354-F934-46C13129E328}"/>
+              </a:ext>
+            </a:extLst>
+          </p:cNvPr>
+          <p:cNvSpPr>
+            <a:spLocks noGrp="1"/>
+          </p:cNvSpPr>
+          <p:nvPr>
+            <p:ph type="title"/>
+          </p:nvPr>
+        </p:nvSpPr>
+        <p:spPr/>
+        <p:txBody>
+          <a:bodyPr/>
+          <a:lstStyle/>
+          <a:p>
+            <a:endParaRPr lang="en-US"/>
+          </a:p>
+        </p:txBody>
+      </p:sp>
+      <p:sp>
+        <p:nvSpPr>
+          <p:cNvPr id="3" name="Content Placeholder 2">
+            <a:extLst>
+              <a:ext uri="{FF2B5EF4-FFF2-40B4-BE49-F238E27FC236}">
+                <a16:creationId xmlns:a16="http://schemas.microsoft.com/office/drawing/2014/main" id="{4EB92058-2483-E02E-2D73-F7626AEBF19C}"/>
+              </a:ext>
+            </a:extLst>
+          </p:cNvPr>
+          <p:cNvSpPr>
+            <a:spLocks noGrp="1"/>
+          </p:cNvSpPr>
+          <p:nvPr>
+            <p:ph idx="1"/>
+          </p:nvPr>
+        </p:nvSpPr>
+        <p:spPr/>
+        <p:txBody>
+          <a:bodyPr/>
+          <a:lstStyle/>
+          <a:p>
+            <a:endParaRPr lang="en-US"/>
+          </a:p>
+        </p:txBody>
+      </p:sp>
+    </p:spTree>
+    <p:extLst>
+      <p:ext uri="{BB962C8B-B14F-4D97-AF65-F5344CB8AC3E}">
+        <p14:creationId xmlns:p14="http://schemas.microsoft.com/office/powerpoint/2010/main" val="323923899"/>
+      </p:ext>
+    </p:extLst>
+  </p:cSld>
+  <p:clrMapOvr>
+    <a:masterClrMapping/>
+  </p:clrMapOvr>
+</p:sld>
+</file>
+
+<file path=ppt/slides/slide27.xml><?xml version="1.0" encoding="utf-8"?>
+<p:sld xmlns:a="http://schemas.openxmlformats.org/drawingml/2006/main" xmlns:r="http://schemas.openxmlformats.org/officeDocument/2006/relationships" xmlns:p="http://schemas.openxmlformats.org/presentationml/2006/main">
+  <p:cSld>
+    <p:spTree>
+      <p:nvGrpSpPr>
+        <p:cNvPr id="1" name=""/>
+        <p:cNvGrpSpPr/>
+        <p:nvPr/>
+      </p:nvGrpSpPr>
+      <p:grpSpPr>
+        <a:xfrm>
+          <a:off x="0" y="0"/>
+          <a:ext cx="0" cy="0"/>
+          <a:chOff x="0" y="0"/>
+          <a:chExt cx="0" cy="0"/>
+        </a:xfrm>
+      </p:grpSpPr>
+      <p:sp>
+        <p:nvSpPr>
+          <p:cNvPr id="2" name="Title 1">
+            <a:extLst>
+              <a:ext uri="{FF2B5EF4-FFF2-40B4-BE49-F238E27FC236}">
+                <a16:creationId xmlns:a16="http://schemas.microsoft.com/office/drawing/2014/main" id="{87EB5162-5E9E-6F4C-5EFA-6D4C8323E95F}"/>
+              </a:ext>
+            </a:extLst>
+          </p:cNvPr>
+          <p:cNvSpPr>
+            <a:spLocks noGrp="1"/>
+          </p:cNvSpPr>
+          <p:nvPr>
+            <p:ph type="title"/>
+          </p:nvPr>
+        </p:nvSpPr>
+        <p:spPr/>
+        <p:txBody>
+          <a:bodyPr/>
+          <a:lstStyle/>
+          <a:p>
+            <a:endParaRPr lang="en-US"/>
+          </a:p>
+        </p:txBody>
+      </p:sp>
+      <p:sp>
+        <p:nvSpPr>
+          <p:cNvPr id="3" name="Content Placeholder 2">
+            <a:extLst>
+              <a:ext uri="{FF2B5EF4-FFF2-40B4-BE49-F238E27FC236}">
+                <a16:creationId xmlns:a16="http://schemas.microsoft.com/office/drawing/2014/main" id="{05391D42-8B98-598A-80FB-CD36426DA772}"/>
+              </a:ext>
+            </a:extLst>
+          </p:cNvPr>
+          <p:cNvSpPr>
+            <a:spLocks noGrp="1"/>
+          </p:cNvSpPr>
+          <p:nvPr>
+            <p:ph idx="1"/>
+          </p:nvPr>
+        </p:nvSpPr>
+        <p:spPr/>
+        <p:txBody>
+          <a:bodyPr/>
+          <a:lstStyle/>
+          <a:p>
+            <a:endParaRPr lang="en-US"/>
+          </a:p>
+        </p:txBody>
+      </p:sp>
+    </p:spTree>
+    <p:extLst>
+      <p:ext uri="{BB962C8B-B14F-4D97-AF65-F5344CB8AC3E}">
+        <p14:creationId xmlns:p14="http://schemas.microsoft.com/office/powerpoint/2010/main" val="3335141037"/>
+      </p:ext>
+    </p:extLst>
+  </p:cSld>
+  <p:clrMapOvr>
+    <a:masterClrMapping/>
+  </p:clrMapOvr>
+</p:sld>
+</file>
+
+<file path=ppt/slides/slide28.xml><?xml version="1.0" encoding="utf-8"?>
+<p:sld xmlns:a="http://schemas.openxmlformats.org/drawingml/2006/main" xmlns:r="http://schemas.openxmlformats.org/officeDocument/2006/relationships" xmlns:p="http://schemas.openxmlformats.org/presentationml/2006/main">
+  <p:cSld>
+    <p:spTree>
+      <p:nvGrpSpPr>
+        <p:cNvPr id="1" name=""/>
+        <p:cNvGrpSpPr/>
+        <p:nvPr/>
+      </p:nvGrpSpPr>
+      <p:grpSpPr>
+        <a:xfrm>
+          <a:off x="0" y="0"/>
+          <a:ext cx="0" cy="0"/>
+          <a:chOff x="0" y="0"/>
+          <a:chExt cx="0" cy="0"/>
+        </a:xfrm>
+      </p:grpSpPr>
+      <p:sp>
+        <p:nvSpPr>
+          <p:cNvPr id="2" name="Title 1">
+            <a:extLst>
+              <a:ext uri="{FF2B5EF4-FFF2-40B4-BE49-F238E27FC236}">
+                <a16:creationId xmlns:a16="http://schemas.microsoft.com/office/drawing/2014/main" id="{8C865C95-396F-2DD9-C3EB-E9D374DFECB7}"/>
+              </a:ext>
+            </a:extLst>
+          </p:cNvPr>
+          <p:cNvSpPr>
+            <a:spLocks noGrp="1"/>
+          </p:cNvSpPr>
+          <p:nvPr>
+            <p:ph type="title"/>
+          </p:nvPr>
+        </p:nvSpPr>
+        <p:spPr/>
+        <p:txBody>
+          <a:bodyPr/>
+          <a:lstStyle/>
+          <a:p>
+            <a:endParaRPr lang="en-US"/>
+          </a:p>
+        </p:txBody>
+      </p:sp>
+      <p:sp>
+        <p:nvSpPr>
+          <p:cNvPr id="3" name="Content Placeholder 2">
+            <a:extLst>
+              <a:ext uri="{FF2B5EF4-FFF2-40B4-BE49-F238E27FC236}">
+                <a16:creationId xmlns:a16="http://schemas.microsoft.com/office/drawing/2014/main" id="{D7AB8955-4006-783B-A014-FBC33FC598DE}"/>
+              </a:ext>
+            </a:extLst>
+          </p:cNvPr>
+          <p:cNvSpPr>
+            <a:spLocks noGrp="1"/>
+          </p:cNvSpPr>
+          <p:nvPr>
+            <p:ph idx="1"/>
+          </p:nvPr>
+        </p:nvSpPr>
+        <p:spPr/>
+        <p:txBody>
+          <a:bodyPr/>
+          <a:lstStyle/>
+          <a:p>
+            <a:endParaRPr lang="en-US"/>
+          </a:p>
+        </p:txBody>
+      </p:sp>
+    </p:spTree>
+    <p:extLst>
+      <p:ext uri="{BB962C8B-B14F-4D97-AF65-F5344CB8AC3E}">
+        <p14:creationId xmlns:p14="http://schemas.microsoft.com/office/powerpoint/2010/main" val="4123507776"/>
+      </p:ext>
+    </p:extLst>
+  </p:cSld>
+  <p:clrMapOvr>
+    <a:masterClrMapping/>
+  </p:clrMapOvr>
+</p:sld>
+</file>
+
+<file path=ppt/slides/slide29.xml><?xml version="1.0" encoding="utf-8"?>
+<p:sld xmlns:a="http://schemas.openxmlformats.org/drawingml/2006/main" xmlns:r="http://schemas.openxmlformats.org/officeDocument/2006/relationships" xmlns:p="http://schemas.openxmlformats.org/presentationml/2006/main">
+  <p:cSld>
+    <p:spTree>
+      <p:nvGrpSpPr>
+        <p:cNvPr id="1" name=""/>
+        <p:cNvGrpSpPr/>
+        <p:nvPr/>
+      </p:nvGrpSpPr>
+      <p:grpSpPr>
+        <a:xfrm>
+          <a:off x="0" y="0"/>
+          <a:ext cx="0" cy="0"/>
+          <a:chOff x="0" y="0"/>
+          <a:chExt cx="0" cy="0"/>
+        </a:xfrm>
+      </p:grpSpPr>
+      <p:sp>
+        <p:nvSpPr>
+          <p:cNvPr id="2" name="Title 1">
+            <a:extLst>
+              <a:ext uri="{FF2B5EF4-FFF2-40B4-BE49-F238E27FC236}">
+                <a16:creationId xmlns:a16="http://schemas.microsoft.com/office/drawing/2014/main" id="{171591FD-0D8F-7B52-F033-1FC58A257076}"/>
+              </a:ext>
+            </a:extLst>
+          </p:cNvPr>
+          <p:cNvSpPr>
+            <a:spLocks noGrp="1"/>
+          </p:cNvSpPr>
+          <p:nvPr>
+            <p:ph type="title"/>
+          </p:nvPr>
+        </p:nvSpPr>
+        <p:spPr/>
+        <p:txBody>
+          <a:bodyPr/>
+          <a:lstStyle/>
+          <a:p>
+            <a:endParaRPr lang="en-US"/>
+          </a:p>
+        </p:txBody>
+      </p:sp>
+      <p:sp>
+        <p:nvSpPr>
+          <p:cNvPr id="3" name="Content Placeholder 2">
+            <a:extLst>
+              <a:ext uri="{FF2B5EF4-FFF2-40B4-BE49-F238E27FC236}">
+                <a16:creationId xmlns:a16="http://schemas.microsoft.com/office/drawing/2014/main" id="{96DDAA4B-2BFF-0041-1E8F-4FFF0ACB115B}"/>
+              </a:ext>
+            </a:extLst>
+          </p:cNvPr>
+          <p:cNvSpPr>
+            <a:spLocks noGrp="1"/>
+          </p:cNvSpPr>
+          <p:nvPr>
+            <p:ph idx="1"/>
+          </p:nvPr>
+        </p:nvSpPr>
+        <p:spPr/>
+        <p:txBody>
+          <a:bodyPr/>
+          <a:lstStyle/>
+          <a:p>
+            <a:endParaRPr lang="en-US"/>
+          </a:p>
+        </p:txBody>
+      </p:sp>
+    </p:spTree>
+    <p:extLst>
+      <p:ext uri="{BB962C8B-B14F-4D97-AF65-F5344CB8AC3E}">
+        <p14:creationId xmlns:p14="http://schemas.microsoft.com/office/powerpoint/2010/main" val="4026606287"/>
       </p:ext>
     </p:extLst>
   </p:cSld>
@@ -5667,6 +7230,86 @@
     <p:extLst>
       <p:ext uri="{BB962C8B-B14F-4D97-AF65-F5344CB8AC3E}">
         <p14:creationId xmlns:p14="http://schemas.microsoft.com/office/powerpoint/2010/main" val="4275419696"/>
+      </p:ext>
+    </p:extLst>
+  </p:cSld>
+  <p:clrMapOvr>
+    <a:masterClrMapping/>
+  </p:clrMapOvr>
+</p:sld>
+</file>
+
+<file path=ppt/slides/slide30.xml><?xml version="1.0" encoding="utf-8"?>
+<p:sld xmlns:a="http://schemas.openxmlformats.org/drawingml/2006/main" xmlns:r="http://schemas.openxmlformats.org/officeDocument/2006/relationships" xmlns:p="http://schemas.openxmlformats.org/presentationml/2006/main">
+  <p:cSld>
+    <p:spTree>
+      <p:nvGrpSpPr>
+        <p:cNvPr id="1" name=""/>
+        <p:cNvGrpSpPr/>
+        <p:nvPr/>
+      </p:nvGrpSpPr>
+      <p:grpSpPr>
+        <a:xfrm>
+          <a:off x="0" y="0"/>
+          <a:ext cx="0" cy="0"/>
+          <a:chOff x="0" y="0"/>
+          <a:chExt cx="0" cy="0"/>
+        </a:xfrm>
+      </p:grpSpPr>
+      <p:sp>
+        <p:nvSpPr>
+          <p:cNvPr id="2" name="Title 1">
+            <a:extLst>
+              <a:ext uri="{FF2B5EF4-FFF2-40B4-BE49-F238E27FC236}">
+                <a16:creationId xmlns:a16="http://schemas.microsoft.com/office/drawing/2014/main" id="{2B697D64-582D-77E9-B3C8-D2804C039384}"/>
+              </a:ext>
+            </a:extLst>
+          </p:cNvPr>
+          <p:cNvSpPr>
+            <a:spLocks noGrp="1"/>
+          </p:cNvSpPr>
+          <p:nvPr>
+            <p:ph type="title"/>
+          </p:nvPr>
+        </p:nvSpPr>
+        <p:spPr/>
+        <p:txBody>
+          <a:bodyPr/>
+          <a:lstStyle/>
+          <a:p>
+            <a:endParaRPr lang="en-US"/>
+          </a:p>
+        </p:txBody>
+      </p:sp>
+      <p:sp>
+        <p:nvSpPr>
+          <p:cNvPr id="3" name="Content Placeholder 2">
+            <a:extLst>
+              <a:ext uri="{FF2B5EF4-FFF2-40B4-BE49-F238E27FC236}">
+                <a16:creationId xmlns:a16="http://schemas.microsoft.com/office/drawing/2014/main" id="{77EB1F89-3E25-0FFF-1E0D-42AFF390D3D3}"/>
+              </a:ext>
+            </a:extLst>
+          </p:cNvPr>
+          <p:cNvSpPr>
+            <a:spLocks noGrp="1"/>
+          </p:cNvSpPr>
+          <p:nvPr>
+            <p:ph idx="1"/>
+          </p:nvPr>
+        </p:nvSpPr>
+        <p:spPr/>
+        <p:txBody>
+          <a:bodyPr/>
+          <a:lstStyle/>
+          <a:p>
+            <a:endParaRPr lang="en-US"/>
+          </a:p>
+        </p:txBody>
+      </p:sp>
+    </p:spTree>
+    <p:extLst>
+      <p:ext uri="{BB962C8B-B14F-4D97-AF65-F5344CB8AC3E}">
+        <p14:creationId xmlns:p14="http://schemas.microsoft.com/office/powerpoint/2010/main" val="1462785252"/>
       </p:ext>
     </p:extLst>
   </p:cSld>
